--- a/Lecture/day0_installation.pptx
+++ b/Lecture/day0_installation.pptx
@@ -5,15 +5,14 @@
     <p:sldMasterId id="2147483725" r:id="rId1"/>
   </p:sldMasterIdLst>
   <p:notesMasterIdLst>
-    <p:notesMasterId r:id="rId8"/>
+    <p:notesMasterId r:id="rId7"/>
   </p:notesMasterIdLst>
   <p:sldIdLst>
     <p:sldId id="256" r:id="rId2"/>
     <p:sldId id="257" r:id="rId3"/>
     <p:sldId id="258" r:id="rId4"/>
-    <p:sldId id="261" r:id="rId5"/>
-    <p:sldId id="262" r:id="rId6"/>
-    <p:sldId id="265" r:id="rId7"/>
+    <p:sldId id="262" r:id="rId5"/>
+    <p:sldId id="265" r:id="rId6"/>
   </p:sldIdLst>
   <p:sldSz cx="12192000" cy="6858000"/>
   <p:notesSz cx="6858000" cy="9144000"/>
@@ -202,7 +201,7 @@
           <a:p>
             <a:fld id="{610810A3-FDBB-924C-A3E6-6DAA71D37BC3}" type="datetimeFigureOut">
               <a:rPr lang="en-US" smtClean="0"/>
-              <a:t>1/5/22</a:t>
+              <a:t>9/9/24</a:t>
             </a:fld>
             <a:endParaRPr lang="en-US"/>
           </a:p>
@@ -637,90 +636,6 @@
 </p:notes>
 </file>
 
-<file path=ppt/notesSlides/notesSlide3.xml><?xml version="1.0" encoding="utf-8"?>
-<p:notes xmlns:a="http://schemas.openxmlformats.org/drawingml/2006/main" xmlns:r="http://schemas.openxmlformats.org/officeDocument/2006/relationships" xmlns:p="http://schemas.openxmlformats.org/presentationml/2006/main">
-  <p:cSld>
-    <p:spTree>
-      <p:nvGrpSpPr>
-        <p:cNvPr id="1" name=""/>
-        <p:cNvGrpSpPr/>
-        <p:nvPr/>
-      </p:nvGrpSpPr>
-      <p:grpSpPr>
-        <a:xfrm>
-          <a:off x="0" y="0"/>
-          <a:ext cx="0" cy="0"/>
-          <a:chOff x="0" y="0"/>
-          <a:chExt cx="0" cy="0"/>
-        </a:xfrm>
-      </p:grpSpPr>
-      <p:sp>
-        <p:nvSpPr>
-          <p:cNvPr id="2" name="Slide Image Placeholder 1"/>
-          <p:cNvSpPr>
-            <a:spLocks noGrp="1" noRot="1" noChangeAspect="1"/>
-          </p:cNvSpPr>
-          <p:nvPr>
-            <p:ph type="sldImg"/>
-          </p:nvPr>
-        </p:nvSpPr>
-        <p:spPr/>
-      </p:sp>
-      <p:sp>
-        <p:nvSpPr>
-          <p:cNvPr id="3" name="Notes Placeholder 2"/>
-          <p:cNvSpPr>
-            <a:spLocks noGrp="1"/>
-          </p:cNvSpPr>
-          <p:nvPr>
-            <p:ph type="body" idx="1"/>
-          </p:nvPr>
-        </p:nvSpPr>
-        <p:spPr/>
-        <p:txBody>
-          <a:bodyPr/>
-          <a:lstStyle/>
-          <a:p>
-            <a:endParaRPr lang="en-US" dirty="0"/>
-          </a:p>
-        </p:txBody>
-      </p:sp>
-      <p:sp>
-        <p:nvSpPr>
-          <p:cNvPr id="4" name="Slide Number Placeholder 3"/>
-          <p:cNvSpPr>
-            <a:spLocks noGrp="1"/>
-          </p:cNvSpPr>
-          <p:nvPr>
-            <p:ph type="sldNum" sz="quarter" idx="5"/>
-          </p:nvPr>
-        </p:nvSpPr>
-        <p:spPr/>
-        <p:txBody>
-          <a:bodyPr/>
-          <a:lstStyle/>
-          <a:p>
-            <a:fld id="{001CBEDD-4C4B-8B4B-A8BB-4FA4EFBE2655}" type="slidenum">
-              <a:rPr lang="en-US" smtClean="0"/>
-              <a:t>4</a:t>
-            </a:fld>
-            <a:endParaRPr lang="en-US"/>
-          </a:p>
-        </p:txBody>
-      </p:sp>
-    </p:spTree>
-    <p:extLst>
-      <p:ext uri="{BB962C8B-B14F-4D97-AF65-F5344CB8AC3E}">
-        <p14:creationId xmlns:p14="http://schemas.microsoft.com/office/powerpoint/2010/main" val="2860181486"/>
-      </p:ext>
-    </p:extLst>
-  </p:cSld>
-  <p:clrMapOvr>
-    <a:masterClrMapping/>
-  </p:clrMapOvr>
-</p:notes>
-</file>
-
 <file path=ppt/slideLayouts/slideLayout1.xml><?xml version="1.0" encoding="utf-8"?>
 <p:sldLayout xmlns:a="http://schemas.openxmlformats.org/drawingml/2006/main" xmlns:r="http://schemas.openxmlformats.org/officeDocument/2006/relationships" xmlns:p="http://schemas.openxmlformats.org/presentationml/2006/main" showMasterSp="0" type="title" preserve="1">
   <p:cSld name="Title Slide">
@@ -965,7 +880,7 @@
           <a:p>
             <a:fld id="{B80EDB8A-E130-F24D-944F-FE08320C6A87}" type="datetime1">
               <a:rPr lang="en-US" smtClean="0"/>
-              <a:t>1/5/22</a:t>
+              <a:t>9/9/24</a:t>
             </a:fld>
             <a:endParaRPr lang="en-US" dirty="0"/>
           </a:p>
@@ -1153,7 +1068,7 @@
           <a:p>
             <a:fld id="{746F4AEA-1719-9E48-8533-FF1A1825A4D0}" type="datetime1">
               <a:rPr lang="en-US" smtClean="0"/>
-              <a:t>1/5/22</a:t>
+              <a:t>9/9/24</a:t>
             </a:fld>
             <a:endParaRPr lang="en-US" dirty="0"/>
           </a:p>
@@ -1395,7 +1310,7 @@
           <a:p>
             <a:fld id="{66117801-61CB-C647-8478-906C9FC6C9E5}" type="datetime1">
               <a:rPr lang="en-US" smtClean="0"/>
-              <a:t>1/5/22</a:t>
+              <a:t>9/9/24</a:t>
             </a:fld>
             <a:endParaRPr lang="en-US" dirty="0"/>
           </a:p>
@@ -1583,7 +1498,7 @@
           <a:p>
             <a:fld id="{99D80C49-3BFA-4040-903C-4E0A4AB057DB}" type="datetime1">
               <a:rPr lang="en-US" smtClean="0"/>
-              <a:t>1/5/22</a:t>
+              <a:t>9/9/24</a:t>
             </a:fld>
             <a:endParaRPr lang="en-US" dirty="0"/>
           </a:p>
@@ -1956,7 +1871,7 @@
           <a:p>
             <a:fld id="{9C8595C2-3AD1-A141-935A-0FB0EDF42075}" type="datetime1">
               <a:rPr lang="en-US" smtClean="0"/>
-              <a:t>1/5/22</a:t>
+              <a:t>9/9/24</a:t>
             </a:fld>
             <a:endParaRPr lang="en-US" dirty="0"/>
           </a:p>
@@ -2211,7 +2126,7 @@
           <a:p>
             <a:fld id="{7C9DD4CA-70FD-F64F-B65C-04D09A6019D2}" type="datetime1">
               <a:rPr lang="en-US" smtClean="0"/>
-              <a:t>1/5/22</a:t>
+              <a:t>9/9/24</a:t>
             </a:fld>
             <a:endParaRPr lang="en-US" dirty="0"/>
           </a:p>
@@ -2608,7 +2523,7 @@
           <a:p>
             <a:fld id="{E4217C6E-D4AC-3D49-B330-08FD1E4F72BD}" type="datetime1">
               <a:rPr lang="en-US" smtClean="0"/>
-              <a:t>1/5/22</a:t>
+              <a:t>9/9/24</a:t>
             </a:fld>
             <a:endParaRPr lang="en-US" dirty="0"/>
           </a:p>
@@ -2744,7 +2659,7 @@
           <a:p>
             <a:fld id="{234A208C-B596-0942-8C00-B612197A2B60}" type="datetime1">
               <a:rPr lang="en-US" smtClean="0"/>
-              <a:t>1/5/22</a:t>
+              <a:t>9/9/24</a:t>
             </a:fld>
             <a:endParaRPr lang="en-US" dirty="0"/>
           </a:p>
@@ -2901,7 +2816,7 @@
           <a:p>
             <a:fld id="{424052AD-36A4-4B46-9A13-BE5BA83150DA}" type="datetime1">
               <a:rPr lang="en-US" smtClean="0"/>
-              <a:t>1/5/22</a:t>
+              <a:t>9/9/24</a:t>
             </a:fld>
             <a:endParaRPr lang="en-US" dirty="0"/>
           </a:p>
@@ -3230,7 +3145,7 @@
           <a:p>
             <a:fld id="{17C6CA72-8153-4743-98FB-44F6BFD55E0D}" type="datetime1">
               <a:rPr lang="en-US" smtClean="0"/>
-              <a:t>1/5/22</a:t>
+              <a:t>9/9/24</a:t>
             </a:fld>
             <a:endParaRPr lang="en-US" dirty="0"/>
           </a:p>
@@ -3580,7 +3495,7 @@
           <a:p>
             <a:fld id="{626EFD39-91DA-824D-8C8F-EFC4CC7B13CB}" type="datetime1">
               <a:rPr lang="en-US" smtClean="0"/>
-              <a:t>1/5/22</a:t>
+              <a:t>9/9/24</a:t>
             </a:fld>
             <a:endParaRPr lang="en-US" dirty="0"/>
           </a:p>
@@ -3841,7 +3756,7 @@
           <a:p>
             <a:fld id="{0231416C-6728-F949-957C-7F37607988A9}" type="datetime1">
               <a:rPr lang="en-US" smtClean="0"/>
-              <a:t>1/5/22</a:t>
+              <a:t>9/9/24</a:t>
             </a:fld>
             <a:endParaRPr lang="en-US" dirty="0"/>
           </a:p>
@@ -4455,6 +4370,13 @@
             <a:schemeClr val="lt1"/>
           </a:fontRef>
         </p:style>
+        <p:txBody>
+          <a:bodyPr/>
+          <a:lstStyle/>
+          <a:p>
+            <a:endParaRPr lang="en-US"/>
+          </a:p>
+        </p:txBody>
       </p:sp>
       <p:sp>
         <p:nvSpPr>
@@ -4480,7 +4402,7 @@
         </p:spPr>
         <p:txBody>
           <a:bodyPr>
-            <a:normAutofit/>
+            <a:normAutofit fontScale="90000"/>
           </a:bodyPr>
           <a:lstStyle/>
           <a:p>
@@ -4490,7 +4412,7 @@
                   <a:srgbClr val="FFFFFF"/>
                 </a:solidFill>
               </a:rPr>
-              <a:t>GV 900 Political Explanation</a:t>
+              <a:t>Data Science Bootcamp for Beginners using R</a:t>
             </a:r>
           </a:p>
         </p:txBody>
@@ -4524,21 +4446,6 @@
           <a:lstStyle/>
           <a:p>
             <a:r>
-              <a:rPr lang="en-US" sz="1800">
-                <a:solidFill>
-                  <a:srgbClr val="FFFFFF"/>
-                </a:solidFill>
-              </a:rPr>
-              <a:t>2021-2022</a:t>
-            </a:r>
-            <a:endParaRPr lang="en-US" sz="1800" dirty="0">
-              <a:solidFill>
-                <a:srgbClr val="FFFFFF"/>
-              </a:solidFill>
-            </a:endParaRPr>
-          </a:p>
-          <a:p>
-            <a:r>
               <a:rPr lang="en-US" sz="1800" dirty="0">
                 <a:solidFill>
                   <a:srgbClr val="FFFFFF"/>
@@ -4549,12 +4456,12 @@
           </a:p>
           <a:p>
             <a:r>
-              <a:rPr lang="en-US" sz="1200" dirty="0">
+              <a:rPr lang="en-US" sz="1800" dirty="0">
                 <a:solidFill>
                   <a:srgbClr val="FFFFFF"/>
                 </a:solidFill>
               </a:rPr>
-              <a:t>University of Essex</a:t>
+              <a:t>University of South Carolina</a:t>
             </a:r>
           </a:p>
         </p:txBody>
@@ -4820,8 +4727,13 @@
           <a:p>
             <a:r>
               <a:rPr lang="en-US" sz="1400" dirty="0"/>
-              <a:t>Email: howard.liu@essex.ac.uk</a:t>
-            </a:r>
+              <a:t>Email: </a:t>
+            </a:r>
+            <a:r>
+              <a:rPr lang="en-US" sz="1400" dirty="0" err="1"/>
+              <a:t>howard.hl.liu@gmail.com</a:t>
+            </a:r>
+            <a:endParaRPr lang="en-US" sz="1400" dirty="0"/>
           </a:p>
         </p:txBody>
       </p:sp>
@@ -4908,7 +4820,7 @@
           <a:p>
             <a:r>
               <a:rPr lang="en-US" altLang="zh-TW" dirty="0"/>
-              <a:t>Module Objectives: </a:t>
+              <a:t>Bootcamp Objectives: </a:t>
             </a:r>
             <a:endParaRPr lang="en-US" dirty="0"/>
           </a:p>
@@ -5277,7 +5189,7 @@
         </p:spPr>
         <p:txBody>
           <a:bodyPr>
-            <a:normAutofit lnSpcReduction="10000"/>
+            <a:normAutofit/>
           </a:bodyPr>
           <a:lstStyle/>
           <a:p>
@@ -5288,7 +5200,7 @@
             </a:pPr>
             <a:r>
               <a:rPr lang="en-US" sz="1400" dirty="0"/>
-              <a:t>1. Lecture:  50 min or less in-person lecture</a:t>
+              <a:t>1. Lecture:  50 min or less lecture</a:t>
             </a:r>
           </a:p>
           <a:p>
@@ -5310,7 +5222,7 @@
             </a:pPr>
             <a:r>
               <a:rPr lang="en-US" sz="1400" dirty="0"/>
-              <a:t>2. R session: 50 min or less pre-recorded video</a:t>
+              <a:t>2. R session: 50 min or less programming lab</a:t>
             </a:r>
           </a:p>
           <a:p>
@@ -5322,17 +5234,6 @@
             <a:r>
               <a:rPr lang="en-US" sz="1400" dirty="0"/>
               <a:t>I will teach R programming step by step</a:t>
-            </a:r>
-          </a:p>
-          <a:p>
-            <a:pPr lvl="1">
-              <a:lnSpc>
-                <a:spcPct val="90000"/>
-              </a:lnSpc>
-            </a:pPr>
-            <a:r>
-              <a:rPr lang="en-US" sz="1400" dirty="0"/>
-              <a:t>Video available on Moodle by Monday</a:t>
             </a:r>
           </a:p>
           <a:p>
@@ -5503,6 +5404,13 @@
             <a:schemeClr val="lt1"/>
           </a:fontRef>
         </p:style>
+        <p:txBody>
+          <a:bodyPr/>
+          <a:lstStyle/>
+          <a:p>
+            <a:endParaRPr lang="en-US"/>
+          </a:p>
+        </p:txBody>
       </p:sp>
       <p:sp>
         <p:nvSpPr>
@@ -5603,7 +5511,7 @@
           <a:p>
             <a:r>
               <a:rPr lang="en-US" dirty="0"/>
-              <a:t>Schedule: Spring 2021</a:t>
+              <a:t>Logistics</a:t>
             </a:r>
           </a:p>
         </p:txBody>
@@ -5626,112 +5534,142 @@
         </p:nvSpPr>
         <p:spPr>
           <a:xfrm>
-            <a:off x="1097280" y="1869161"/>
-            <a:ext cx="10600733" cy="4445876"/>
+            <a:off x="1097280" y="2108201"/>
+            <a:ext cx="10058400" cy="4250558"/>
           </a:xfrm>
         </p:spPr>
         <p:txBody>
           <a:bodyPr>
-            <a:noAutofit/>
+            <a:normAutofit/>
           </a:bodyPr>
           <a:lstStyle/>
           <a:p>
             <a:r>
-              <a:rPr lang="en-US" sz="1300" dirty="0"/>
-              <a:t>Week 16 Multiple regression: interactive models</a:t>
-            </a:r>
-          </a:p>
-          <a:p>
-            <a:r>
-              <a:rPr lang="en-US" sz="1300" dirty="0"/>
-              <a:t>Week 17 Multiple regression: models for nonlinear relationships </a:t>
-            </a:r>
-            <a:r>
-              <a:rPr lang="en-US" sz="1300" dirty="0">
-                <a:solidFill>
-                  <a:schemeClr val="accent1"/>
-                </a:solidFill>
+              <a:rPr lang="en-US" dirty="0"/>
+              <a:t>1. Install R and RStudio on your computer </a:t>
+            </a:r>
+          </a:p>
+          <a:p>
+            <a:pPr lvl="1"/>
+            <a:r>
+              <a:rPr lang="en-US" dirty="0"/>
+              <a:t>Mac: </a:t>
+            </a:r>
+            <a:r>
+              <a:rPr lang="en-US" dirty="0">
+                <a:hlinkClick r:id="rId2"/>
               </a:rPr>
-              <a:t>(HW 3)</a:t>
-            </a:r>
-          </a:p>
-          <a:p>
-            <a:r>
-              <a:rPr lang="en-US" sz="1300" dirty="0"/>
-              <a:t>Week 18 Multiple regression: fixed-effects and random-effects</a:t>
-            </a:r>
-          </a:p>
-          <a:p>
-            <a:r>
-              <a:rPr lang="en-US" sz="1300" dirty="0"/>
-              <a:t>Week 19 Logistic regression </a:t>
-            </a:r>
-            <a:r>
-              <a:rPr lang="en-US" sz="1300" dirty="0">
-                <a:solidFill>
-                  <a:schemeClr val="accent1"/>
-                </a:solidFill>
+              <a:t>https://www.youtube.com/watch?v=1PsPfMaLWSk</a:t>
+            </a:r>
+            <a:endParaRPr lang="en-US" dirty="0"/>
+          </a:p>
+          <a:p>
+            <a:pPr lvl="1"/>
+            <a:r>
+              <a:rPr lang="en-US" dirty="0"/>
+              <a:t>Windows: </a:t>
+            </a:r>
+            <a:r>
+              <a:rPr lang="en-US" dirty="0">
+                <a:hlinkClick r:id="rId3"/>
               </a:rPr>
-              <a:t>(HW 3 Due)</a:t>
-            </a:r>
-            <a:endParaRPr lang="en-US" sz="1300" dirty="0"/>
-          </a:p>
-          <a:p>
-            <a:r>
-              <a:rPr lang="en-US" sz="1300" dirty="0"/>
-              <a:t>Week 20 Evaluating predictive abilities of models</a:t>
-            </a:r>
-          </a:p>
-          <a:p>
-            <a:r>
-              <a:rPr lang="en-US" sz="1300" dirty="0"/>
-              <a:t>Week 21 Binary time-series cross-sectional models</a:t>
-            </a:r>
-          </a:p>
-          <a:p>
-            <a:r>
-              <a:rPr lang="en-US" sz="1300" dirty="0"/>
-              <a:t>Week 22 Ordered logistic regression</a:t>
-            </a:r>
-          </a:p>
-          <a:p>
-            <a:r>
-              <a:rPr lang="en-US" sz="1300" dirty="0"/>
-              <a:t>Week 23 Multinomial logistic regression </a:t>
-            </a:r>
-            <a:r>
-              <a:rPr lang="en-US" sz="1300" dirty="0">
-                <a:solidFill>
-                  <a:schemeClr val="accent1"/>
-                </a:solidFill>
+              <a:t>https://www.youtube.com/watch?v=9-RrkJQQYqY</a:t>
+            </a:r>
+            <a:endParaRPr lang="en-US" dirty="0"/>
+          </a:p>
+          <a:p>
+            <a:pPr>
+              <a:lnSpc>
+                <a:spcPct val="90000"/>
+              </a:lnSpc>
+            </a:pPr>
+            <a:r>
+              <a:rPr lang="en-US" sz="1800" dirty="0"/>
+              <a:t>2. Install Latex on your computer  </a:t>
+            </a:r>
+          </a:p>
+          <a:p>
+            <a:pPr lvl="1">
+              <a:lnSpc>
+                <a:spcPct val="90000"/>
+              </a:lnSpc>
+            </a:pPr>
+            <a:r>
+              <a:rPr lang="en-US" sz="1600" dirty="0"/>
+              <a:t>Mac: </a:t>
+            </a:r>
+            <a:r>
+              <a:rPr lang="en-US" sz="1600" dirty="0">
+                <a:hlinkClick r:id="rId4"/>
               </a:rPr>
-              <a:t>(HW 4)</a:t>
-            </a:r>
-            <a:endParaRPr lang="en-US" sz="1300" dirty="0"/>
-          </a:p>
-          <a:p>
-            <a:r>
-              <a:rPr lang="en-US" sz="1300" dirty="0"/>
-              <a:t>Week 24  Event count models</a:t>
-            </a:r>
-          </a:p>
-          <a:p>
-            <a:r>
-              <a:rPr lang="en-US" sz="1300" dirty="0"/>
-              <a:t>Week 25 Review and Final Take-home Exam </a:t>
-            </a:r>
-            <a:r>
-              <a:rPr lang="en-US" sz="1300" dirty="0">
-                <a:solidFill>
-                  <a:schemeClr val="accent1"/>
-                </a:solidFill>
+              <a:t>https://www.youtube.com/watch?v=nUuW_8Hy1qA</a:t>
+            </a:r>
+            <a:endParaRPr lang="en-US" sz="1600" dirty="0"/>
+          </a:p>
+          <a:p>
+            <a:pPr lvl="1">
+              <a:lnSpc>
+                <a:spcPct val="90000"/>
+              </a:lnSpc>
+            </a:pPr>
+            <a:r>
+              <a:rPr lang="en-US" sz="1600" dirty="0"/>
+              <a:t>Windows: </a:t>
+            </a:r>
+            <a:r>
+              <a:rPr lang="en-US" sz="1600" dirty="0">
+                <a:hlinkClick r:id="rId5"/>
               </a:rPr>
-              <a:t>(HW 4 Due)</a:t>
-            </a:r>
-            <a:endParaRPr lang="en-US" sz="1300" dirty="0"/>
-          </a:p>
-          <a:p>
-            <a:endParaRPr lang="en-US" sz="1300" dirty="0"/>
+              <a:t>https://www.youtube.com/watch?v=kSN-gS4SIqc</a:t>
+            </a:r>
+            <a:endParaRPr lang="en-US" dirty="0"/>
+          </a:p>
+          <a:p>
+            <a:r>
+              <a:rPr lang="en-US" dirty="0"/>
+              <a:t>3. Advice: Google is your best friend</a:t>
+            </a:r>
+          </a:p>
+          <a:p>
+            <a:pPr lvl="1"/>
+            <a:r>
+              <a:rPr lang="en-US" dirty="0"/>
+              <a:t>StackOverflow (Q&amp;A platform for R): </a:t>
+            </a:r>
+            <a:r>
+              <a:rPr lang="en-US" dirty="0">
+                <a:hlinkClick r:id="rId6"/>
+              </a:rPr>
+              <a:t>https://stackoverflow.com/</a:t>
+            </a:r>
+            <a:r>
+              <a:rPr lang="en-US" dirty="0"/>
+              <a:t> </a:t>
+            </a:r>
+          </a:p>
+          <a:p>
+            <a:pPr lvl="1"/>
+            <a:r>
+              <a:rPr lang="en-US" dirty="0"/>
+              <a:t>I would advise you to Google (or </a:t>
+            </a:r>
+            <a:r>
+              <a:rPr lang="en-US"/>
+              <a:t>ask ChatGPT</a:t>
+            </a:r>
+            <a:r>
+              <a:rPr lang="en-US" dirty="0"/>
+              <a:t>) before you ask questions on Slack</a:t>
+            </a:r>
+          </a:p>
+          <a:p>
+            <a:pPr marL="0" indent="0">
+              <a:buNone/>
+            </a:pPr>
+            <a:endParaRPr lang="en-US" dirty="0"/>
+          </a:p>
+          <a:p>
+            <a:endParaRPr lang="en-US" dirty="0"/>
           </a:p>
         </p:txBody>
       </p:sp>
@@ -5740,7 +5678,7 @@
           <p:cNvPr id="4" name="Slide Number Placeholder 3">
             <a:extLst>
               <a:ext uri="{FF2B5EF4-FFF2-40B4-BE49-F238E27FC236}">
-                <a16:creationId xmlns:a16="http://schemas.microsoft.com/office/drawing/2014/main" id="{08DD996B-C248-544A-964C-14A0BFB73058}"/>
+                <a16:creationId xmlns:a16="http://schemas.microsoft.com/office/drawing/2014/main" id="{8225D0C4-0EB0-344A-B307-BD702942FF6B}"/>
               </a:ext>
             </a:extLst>
           </p:cNvPr>
@@ -5764,128 +5702,10 @@
           </a:p>
         </p:txBody>
       </p:sp>
-      <p:sp>
-        <p:nvSpPr>
-          <p:cNvPr id="5" name="Left Brace 4">
-            <a:extLst>
-              <a:ext uri="{FF2B5EF4-FFF2-40B4-BE49-F238E27FC236}">
-                <a16:creationId xmlns:a16="http://schemas.microsoft.com/office/drawing/2014/main" id="{B0334ADA-48F7-D24A-A323-CB4C1CDD534E}"/>
-              </a:ext>
-            </a:extLst>
-          </p:cNvPr>
-          <p:cNvSpPr/>
-          <p:nvPr/>
-        </p:nvSpPr>
-        <p:spPr>
-          <a:xfrm>
-            <a:off x="987972" y="1975944"/>
-            <a:ext cx="109308" cy="1450757"/>
-          </a:xfrm>
-          <a:prstGeom prst="leftBrace">
-            <a:avLst/>
-          </a:prstGeom>
-        </p:spPr>
-        <p:style>
-          <a:lnRef idx="1">
-            <a:schemeClr val="accent1"/>
-          </a:lnRef>
-          <a:fillRef idx="0">
-            <a:schemeClr val="accent1"/>
-          </a:fillRef>
-          <a:effectRef idx="0">
-            <a:schemeClr val="accent1"/>
-          </a:effectRef>
-          <a:fontRef idx="minor">
-            <a:schemeClr val="tx1"/>
-          </a:fontRef>
-        </p:style>
-        <p:txBody>
-          <a:bodyPr rtlCol="0" anchor="ctr"/>
-          <a:lstStyle/>
-          <a:p>
-            <a:pPr algn="ctr"/>
-            <a:endParaRPr lang="en-US"/>
-          </a:p>
-        </p:txBody>
-      </p:sp>
-      <p:sp>
-        <p:nvSpPr>
-          <p:cNvPr id="6" name="Left Brace 5">
-            <a:extLst>
-              <a:ext uri="{FF2B5EF4-FFF2-40B4-BE49-F238E27FC236}">
-                <a16:creationId xmlns:a16="http://schemas.microsoft.com/office/drawing/2014/main" id="{B67D32AA-13C7-5349-A4DD-825B528816A6}"/>
-              </a:ext>
-            </a:extLst>
-          </p:cNvPr>
-          <p:cNvSpPr/>
-          <p:nvPr/>
-        </p:nvSpPr>
-        <p:spPr>
-          <a:xfrm>
-            <a:off x="987972" y="3665285"/>
-            <a:ext cx="109308" cy="1768563"/>
-          </a:xfrm>
-          <a:prstGeom prst="leftBrace">
-            <a:avLst/>
-          </a:prstGeom>
-        </p:spPr>
-        <p:style>
-          <a:lnRef idx="1">
-            <a:schemeClr val="accent1"/>
-          </a:lnRef>
-          <a:fillRef idx="0">
-            <a:schemeClr val="accent1"/>
-          </a:fillRef>
-          <a:effectRef idx="0">
-            <a:schemeClr val="accent1"/>
-          </a:effectRef>
-          <a:fontRef idx="minor">
-            <a:schemeClr val="tx1"/>
-          </a:fontRef>
-        </p:style>
-        <p:txBody>
-          <a:bodyPr rtlCol="0" anchor="ctr"/>
-          <a:lstStyle/>
-          <a:p>
-            <a:pPr algn="ctr"/>
-            <a:endParaRPr lang="en-US"/>
-          </a:p>
-        </p:txBody>
-      </p:sp>
-      <p:pic>
-        <p:nvPicPr>
-          <p:cNvPr id="10" name="Picture 9" descr="Chart, box and whisker chart&#10;&#10;Description automatically generated">
-            <a:extLst>
-              <a:ext uri="{FF2B5EF4-FFF2-40B4-BE49-F238E27FC236}">
-                <a16:creationId xmlns:a16="http://schemas.microsoft.com/office/drawing/2014/main" id="{CFDE57B3-F92E-D643-A209-26614350132C}"/>
-              </a:ext>
-            </a:extLst>
-          </p:cNvPr>
-          <p:cNvPicPr>
-            <a:picLocks noChangeAspect="1"/>
-          </p:cNvPicPr>
-          <p:nvPr/>
-        </p:nvPicPr>
-        <p:blipFill>
-          <a:blip r:embed="rId3"/>
-          <a:stretch>
-            <a:fillRect/>
-          </a:stretch>
-        </p:blipFill>
-        <p:spPr>
-          <a:xfrm>
-            <a:off x="7928734" y="3163778"/>
-            <a:ext cx="3528426" cy="2082207"/>
-          </a:xfrm>
-          <a:prstGeom prst="rect">
-            <a:avLst/>
-          </a:prstGeom>
-        </p:spPr>
-      </p:pic>
     </p:spTree>
     <p:extLst>
       <p:ext uri="{BB962C8B-B14F-4D97-AF65-F5344CB8AC3E}">
-        <p14:creationId xmlns:p14="http://schemas.microsoft.com/office/powerpoint/2010/main" val="2984432743"/>
+        <p14:creationId xmlns:p14="http://schemas.microsoft.com/office/powerpoint/2010/main" val="436956897"/>
       </p:ext>
     </p:extLst>
   </p:cSld>
@@ -5917,7 +5737,7 @@
           <p:cNvPr id="2" name="Title 1">
             <a:extLst>
               <a:ext uri="{FF2B5EF4-FFF2-40B4-BE49-F238E27FC236}">
-                <a16:creationId xmlns:a16="http://schemas.microsoft.com/office/drawing/2014/main" id="{CE1B2147-23BB-3948-9C59-112B29851804}"/>
+                <a16:creationId xmlns:a16="http://schemas.microsoft.com/office/drawing/2014/main" id="{FA881EF1-653E-0D4B-8CA0-0A1CD4BE4070}"/>
               </a:ext>
             </a:extLst>
           </p:cNvPr>
@@ -5934,174 +5754,33 @@
           <a:lstStyle/>
           <a:p>
             <a:r>
-              <a:rPr lang="en-US" dirty="0"/>
-              <a:t>Logistics</a:t>
-            </a:r>
-          </a:p>
-        </p:txBody>
-      </p:sp>
-      <p:sp>
-        <p:nvSpPr>
-          <p:cNvPr id="3" name="Content Placeholder 2">
-            <a:extLst>
-              <a:ext uri="{FF2B5EF4-FFF2-40B4-BE49-F238E27FC236}">
-                <a16:creationId xmlns:a16="http://schemas.microsoft.com/office/drawing/2014/main" id="{09FEC6BC-E17D-7D4A-8F29-51F80999134C}"/>
-              </a:ext>
-            </a:extLst>
-          </p:cNvPr>
-          <p:cNvSpPr>
-            <a:spLocks noGrp="1"/>
-          </p:cNvSpPr>
-          <p:nvPr>
-            <p:ph idx="1"/>
-          </p:nvPr>
-        </p:nvSpPr>
-        <p:spPr>
-          <a:xfrm>
-            <a:off x="1097280" y="2108201"/>
-            <a:ext cx="10058400" cy="4250558"/>
-          </a:xfrm>
-        </p:spPr>
-        <p:txBody>
-          <a:bodyPr>
-            <a:normAutofit lnSpcReduction="10000"/>
-          </a:bodyPr>
-          <a:lstStyle/>
-          <a:p>
-            <a:r>
-              <a:rPr lang="en-US" dirty="0"/>
-              <a:t>1. Install R and RStudio on your computer  (by next week)</a:t>
-            </a:r>
-          </a:p>
-          <a:p>
-            <a:pPr lvl="1"/>
-            <a:r>
-              <a:rPr lang="en-US" dirty="0"/>
-              <a:t>Mac: </a:t>
-            </a:r>
-            <a:r>
-              <a:rPr lang="en-US" dirty="0">
-                <a:hlinkClick r:id="rId2"/>
-              </a:rPr>
-              <a:t>https://www.youtube.com/watch?v=1PsPfMaLWSk</a:t>
-            </a:r>
-            <a:endParaRPr lang="en-US" dirty="0"/>
-          </a:p>
-          <a:p>
-            <a:pPr lvl="1"/>
-            <a:r>
-              <a:rPr lang="en-US" dirty="0"/>
-              <a:t>Windows: </a:t>
-            </a:r>
-            <a:r>
-              <a:rPr lang="en-US" dirty="0">
-                <a:hlinkClick r:id="rId3"/>
-              </a:rPr>
-              <a:t>https://www.youtube.com/watch?v=9-RrkJQQYqY</a:t>
-            </a:r>
-            <a:endParaRPr lang="en-US" dirty="0"/>
-          </a:p>
-          <a:p>
-            <a:r>
-              <a:rPr lang="en-US" dirty="0"/>
-              <a:t>3. Advice: Google is your best friend</a:t>
-            </a:r>
-          </a:p>
-          <a:p>
-            <a:pPr lvl="1"/>
-            <a:r>
-              <a:rPr lang="en-US" dirty="0"/>
-              <a:t>StackOverflow (Q&amp;A platform for R): </a:t>
-            </a:r>
-            <a:r>
-              <a:rPr lang="en-US" dirty="0">
-                <a:hlinkClick r:id="rId4"/>
-              </a:rPr>
-              <a:t>https://stackoverflow.com/</a:t>
-            </a:r>
-            <a:r>
-              <a:rPr lang="en-US" dirty="0"/>
-              <a:t> </a:t>
-            </a:r>
-          </a:p>
-          <a:p>
-            <a:pPr lvl="1"/>
-            <a:r>
-              <a:rPr lang="en-US" dirty="0"/>
-              <a:t>I would advise you to Google before you ask questions on Slack</a:t>
-            </a:r>
-          </a:p>
-          <a:p>
-            <a:r>
-              <a:rPr lang="en-US" dirty="0"/>
-              <a:t>4. </a:t>
-            </a:r>
-            <a:r>
-              <a:rPr lang="en-US" dirty="0">
-                <a:highlight>
-                  <a:srgbClr val="FFFF00"/>
-                </a:highlight>
-              </a:rPr>
-              <a:t>Slack as our main mode of communication</a:t>
-            </a:r>
-            <a:r>
-              <a:rPr lang="en-US" dirty="0"/>
-              <a:t>:</a:t>
+              <a:rPr lang="en-US" altLang="zh-TW" dirty="0"/>
+              <a:t>Homework</a:t>
             </a:r>
             <a:r>
               <a:rPr lang="zh-TW" altLang="en-US" dirty="0"/>
               <a:t> </a:t>
             </a:r>
             <a:r>
-              <a:rPr lang="en-US" dirty="0"/>
-              <a:t>gv900-2021.slack.com  (join by next week)</a:t>
-            </a:r>
-          </a:p>
-          <a:p>
-            <a:pPr lvl="1"/>
-            <a:r>
-              <a:rPr lang="en-US" dirty="0"/>
-              <a:t>Install tutorial: </a:t>
-            </a:r>
-            <a:r>
-              <a:rPr lang="en-US" dirty="0">
-                <a:hlinkClick r:id="rId5"/>
-              </a:rPr>
-              <a:t>https://slack.com/help/articles/207677868-Download-Slack-for-Mac</a:t>
-            </a:r>
-            <a:r>
-              <a:rPr lang="en-US" dirty="0"/>
-              <a:t>. </a:t>
-            </a:r>
-          </a:p>
-          <a:p>
-            <a:pPr lvl="1"/>
-            <a:r>
-              <a:rPr lang="en-US" dirty="0"/>
-              <a:t>Everyone can ask; everyone can answer</a:t>
-            </a:r>
-          </a:p>
-          <a:p>
-            <a:pPr lvl="1"/>
-            <a:r>
-              <a:rPr lang="en-US" dirty="0"/>
-              <a:t>A GTA and I will monitor Slack regularly, and you should do the same</a:t>
-            </a:r>
-          </a:p>
-          <a:p>
-            <a:pPr lvl="1"/>
-            <a:r>
-              <a:rPr lang="en-US" dirty="0"/>
-              <a:t>You can email me  if you have time-sensitive matters. Everything else please goes into the Slack.</a:t>
-            </a:r>
-          </a:p>
-          <a:p>
-            <a:pPr marL="0" indent="0">
-              <a:buNone/>
-            </a:pPr>
-            <a:endParaRPr lang="en-US" dirty="0"/>
-          </a:p>
-          <a:p>
+              <a:rPr lang="en-US" altLang="zh-TW" dirty="0"/>
+              <a:t>for</a:t>
+            </a:r>
+            <a:r>
+              <a:rPr lang="zh-TW" altLang="en-US" dirty="0"/>
+              <a:t> </a:t>
+            </a:r>
+            <a:r>
+              <a:rPr lang="en-US" altLang="zh-TW" dirty="0"/>
+              <a:t>the</a:t>
+            </a:r>
+            <a:r>
+              <a:rPr lang="zh-TW" altLang="en-US" dirty="0"/>
+              <a:t> </a:t>
+            </a:r>
+            <a:r>
+              <a:rPr lang="en-US" altLang="zh-TW" dirty="0"/>
+              <a:t>First Day</a:t>
+            </a:r>
             <a:endParaRPr lang="en-US" dirty="0"/>
           </a:p>
         </p:txBody>
@@ -6111,7 +5790,7 @@
           <p:cNvPr id="4" name="Slide Number Placeholder 3">
             <a:extLst>
               <a:ext uri="{FF2B5EF4-FFF2-40B4-BE49-F238E27FC236}">
-                <a16:creationId xmlns:a16="http://schemas.microsoft.com/office/drawing/2014/main" id="{8225D0C4-0EB0-344A-B307-BD702942FF6B}"/>
+                <a16:creationId xmlns:a16="http://schemas.microsoft.com/office/drawing/2014/main" id="{947B951D-5B49-7546-8E54-42010B889AE8}"/>
               </a:ext>
             </a:extLst>
           </p:cNvPr>
@@ -6130,126 +5809,6 @@
             <a:fld id="{3A98EE3D-8CD1-4C3F-BD1C-C98C9596463C}" type="slidenum">
               <a:rPr lang="en-US" smtClean="0"/>
               <a:t>5</a:t>
-            </a:fld>
-            <a:endParaRPr lang="en-US" dirty="0"/>
-          </a:p>
-        </p:txBody>
-      </p:sp>
-    </p:spTree>
-    <p:extLst>
-      <p:ext uri="{BB962C8B-B14F-4D97-AF65-F5344CB8AC3E}">
-        <p14:creationId xmlns:p14="http://schemas.microsoft.com/office/powerpoint/2010/main" val="436956897"/>
-      </p:ext>
-    </p:extLst>
-  </p:cSld>
-  <p:clrMapOvr>
-    <a:masterClrMapping/>
-  </p:clrMapOvr>
-</p:sld>
-</file>
-
-<file path=ppt/slides/slide6.xml><?xml version="1.0" encoding="utf-8"?>
-<p:sld xmlns:a="http://schemas.openxmlformats.org/drawingml/2006/main" xmlns:r="http://schemas.openxmlformats.org/officeDocument/2006/relationships" xmlns:p="http://schemas.openxmlformats.org/presentationml/2006/main">
-  <p:cSld>
-    <p:spTree>
-      <p:nvGrpSpPr>
-        <p:cNvPr id="1" name=""/>
-        <p:cNvGrpSpPr/>
-        <p:nvPr/>
-      </p:nvGrpSpPr>
-      <p:grpSpPr>
-        <a:xfrm>
-          <a:off x="0" y="0"/>
-          <a:ext cx="0" cy="0"/>
-          <a:chOff x="0" y="0"/>
-          <a:chExt cx="0" cy="0"/>
-        </a:xfrm>
-      </p:grpSpPr>
-      <p:sp>
-        <p:nvSpPr>
-          <p:cNvPr id="2" name="Title 1">
-            <a:extLst>
-              <a:ext uri="{FF2B5EF4-FFF2-40B4-BE49-F238E27FC236}">
-                <a16:creationId xmlns:a16="http://schemas.microsoft.com/office/drawing/2014/main" id="{FA881EF1-653E-0D4B-8CA0-0A1CD4BE4070}"/>
-              </a:ext>
-            </a:extLst>
-          </p:cNvPr>
-          <p:cNvSpPr>
-            <a:spLocks noGrp="1"/>
-          </p:cNvSpPr>
-          <p:nvPr>
-            <p:ph type="title"/>
-          </p:nvPr>
-        </p:nvSpPr>
-        <p:spPr/>
-        <p:txBody>
-          <a:bodyPr/>
-          <a:lstStyle/>
-          <a:p>
-            <a:r>
-              <a:rPr lang="en-US" altLang="zh-TW" dirty="0"/>
-              <a:t>Homework</a:t>
-            </a:r>
-            <a:r>
-              <a:rPr lang="zh-TW" altLang="en-US" dirty="0"/>
-              <a:t> </a:t>
-            </a:r>
-            <a:r>
-              <a:rPr lang="en-US" altLang="zh-TW" dirty="0"/>
-              <a:t>for</a:t>
-            </a:r>
-            <a:r>
-              <a:rPr lang="zh-TW" altLang="en-US" dirty="0"/>
-              <a:t> </a:t>
-            </a:r>
-            <a:r>
-              <a:rPr lang="en-US" altLang="zh-TW" dirty="0"/>
-              <a:t>the</a:t>
-            </a:r>
-            <a:r>
-              <a:rPr lang="zh-TW" altLang="en-US" dirty="0"/>
-              <a:t> </a:t>
-            </a:r>
-            <a:r>
-              <a:rPr lang="en-US" altLang="zh-TW" dirty="0"/>
-              <a:t>First</a:t>
-            </a:r>
-            <a:r>
-              <a:rPr lang="zh-TW" altLang="en-US" dirty="0"/>
-              <a:t> </a:t>
-            </a:r>
-            <a:r>
-              <a:rPr lang="en-US" altLang="zh-TW" dirty="0"/>
-              <a:t>Week</a:t>
-            </a:r>
-            <a:endParaRPr lang="en-US" dirty="0"/>
-          </a:p>
-        </p:txBody>
-      </p:sp>
-      <p:sp>
-        <p:nvSpPr>
-          <p:cNvPr id="4" name="Slide Number Placeholder 3">
-            <a:extLst>
-              <a:ext uri="{FF2B5EF4-FFF2-40B4-BE49-F238E27FC236}">
-                <a16:creationId xmlns:a16="http://schemas.microsoft.com/office/drawing/2014/main" id="{947B951D-5B49-7546-8E54-42010B889AE8}"/>
-              </a:ext>
-            </a:extLst>
-          </p:cNvPr>
-          <p:cNvSpPr>
-            <a:spLocks noGrp="1"/>
-          </p:cNvSpPr>
-          <p:nvPr>
-            <p:ph type="sldNum" sz="quarter" idx="12"/>
-          </p:nvPr>
-        </p:nvSpPr>
-        <p:spPr/>
-        <p:txBody>
-          <a:bodyPr/>
-          <a:lstStyle/>
-          <a:p>
-            <a:fld id="{3A98EE3D-8CD1-4C3F-BD1C-C98C9596463C}" type="slidenum">
-              <a:rPr lang="en-US" smtClean="0"/>
-              <a:t>6</a:t>
             </a:fld>
             <a:endParaRPr lang="en-US" dirty="0"/>
           </a:p>
